--- a/FInalProjectPresentationCooking App.pptx
+++ b/FInalProjectPresentationCooking App.pptx
@@ -109,6 +109,11 @@
       </a:defRPr>
     </a:lvl9pPr>
   </p:defaultTextStyle>
+  <p:extLst>
+    <p:ext uri="{EFAFB233-063F-42B5-8137-9DF3F51BA10A}">
+      <p15:sldGuideLst xmlns:p15="http://schemas.microsoft.com/office/powerpoint/2012/main"/>
+    </p:ext>
+  </p:extLst>
 </p:presentation>
 </file>
 
@@ -263,7 +268,7 @@
           <a:p>
             <a:fld id="{9D0D92BC-42A9-434B-8530-ADBF4485E407}" type="datetimeFigureOut">
               <a:rPr lang="en-US" smtClean="0"/>
-              <a:t>6/15/2023</a:t>
+              <a:t>7/3/2023</a:t>
             </a:fld>
             <a:endParaRPr lang="en-US"/>
           </a:p>
@@ -514,7 +519,7 @@
           <a:p>
             <a:fld id="{9D0D92BC-42A9-434B-8530-ADBF4485E407}" type="datetimeFigureOut">
               <a:rPr lang="en-US" smtClean="0"/>
-              <a:t>6/15/2023</a:t>
+              <a:t>7/3/2023</a:t>
             </a:fld>
             <a:endParaRPr lang="en-US"/>
           </a:p>
@@ -722,7 +727,7 @@
           <a:p>
             <a:fld id="{9D0D92BC-42A9-434B-8530-ADBF4485E407}" type="datetimeFigureOut">
               <a:rPr lang="en-US" smtClean="0"/>
-              <a:t>6/15/2023</a:t>
+              <a:t>7/3/2023</a:t>
             </a:fld>
             <a:endParaRPr lang="en-US"/>
           </a:p>
@@ -920,7 +925,7 @@
           <a:p>
             <a:fld id="{9D0D92BC-42A9-434B-8530-ADBF4485E407}" type="datetimeFigureOut">
               <a:rPr lang="en-US" smtClean="0"/>
-              <a:t>6/15/2023</a:t>
+              <a:t>7/3/2023</a:t>
             </a:fld>
             <a:endParaRPr lang="en-US"/>
           </a:p>
@@ -1200,7 +1205,7 @@
           <a:p>
             <a:fld id="{9D0D92BC-42A9-434B-8530-ADBF4485E407}" type="datetimeFigureOut">
               <a:rPr lang="en-US" smtClean="0"/>
-              <a:t>6/15/2023</a:t>
+              <a:t>7/3/2023</a:t>
             </a:fld>
             <a:endParaRPr lang="en-US"/>
           </a:p>
@@ -1508,7 +1513,7 @@
           <a:p>
             <a:fld id="{9D0D92BC-42A9-434B-8530-ADBF4485E407}" type="datetimeFigureOut">
               <a:rPr lang="en-US" smtClean="0"/>
-              <a:t>6/15/2023</a:t>
+              <a:t>7/3/2023</a:t>
             </a:fld>
             <a:endParaRPr lang="en-US"/>
           </a:p>
@@ -1928,7 +1933,7 @@
           <a:p>
             <a:fld id="{9D0D92BC-42A9-434B-8530-ADBF4485E407}" type="datetimeFigureOut">
               <a:rPr lang="en-US" smtClean="0"/>
-              <a:t>6/15/2023</a:t>
+              <a:t>7/3/2023</a:t>
             </a:fld>
             <a:endParaRPr lang="en-US"/>
           </a:p>
@@ -2160,7 +2165,7 @@
           <a:p>
             <a:fld id="{9D0D92BC-42A9-434B-8530-ADBF4485E407}" type="datetimeFigureOut">
               <a:rPr lang="en-US" smtClean="0"/>
-              <a:t>6/15/2023</a:t>
+              <a:t>7/3/2023</a:t>
             </a:fld>
             <a:endParaRPr lang="en-US"/>
           </a:p>
@@ -2273,7 +2278,7 @@
           <a:p>
             <a:fld id="{9D0D92BC-42A9-434B-8530-ADBF4485E407}" type="datetimeFigureOut">
               <a:rPr lang="en-US" smtClean="0"/>
-              <a:t>6/15/2023</a:t>
+              <a:t>7/3/2023</a:t>
             </a:fld>
             <a:endParaRPr lang="en-US"/>
           </a:p>
@@ -2590,7 +2595,7 @@
           <a:p>
             <a:fld id="{9D0D92BC-42A9-434B-8530-ADBF4485E407}" type="datetimeFigureOut">
               <a:rPr lang="en-US" smtClean="0"/>
-              <a:t>6/15/2023</a:t>
+              <a:t>7/3/2023</a:t>
             </a:fld>
             <a:endParaRPr lang="en-US"/>
           </a:p>
@@ -2882,7 +2887,7 @@
           <a:p>
             <a:fld id="{9D0D92BC-42A9-434B-8530-ADBF4485E407}" type="datetimeFigureOut">
               <a:rPr lang="en-US" smtClean="0"/>
-              <a:t>6/15/2023</a:t>
+              <a:t>7/3/2023</a:t>
             </a:fld>
             <a:endParaRPr lang="en-US"/>
           </a:p>
@@ -3189,7 +3194,7 @@
             <a:fld id="{9D0D92BC-42A9-434B-8530-ADBF4485E407}" type="datetimeFigureOut">
               <a:rPr lang="en-US" smtClean="0"/>
               <a:pPr/>
-              <a:t>6/15/2023</a:t>
+              <a:t>7/3/2023</a:t>
             </a:fld>
             <a:endParaRPr lang="en-US" dirty="0"/>
           </a:p>
@@ -5645,7 +5650,7 @@
         </p:spPr>
         <p:txBody>
           <a:bodyPr anchor="ctr">
-            <a:normAutofit/>
+            <a:normAutofit fontScale="85000" lnSpcReduction="10000"/>
           </a:bodyPr>
           <a:lstStyle/>
           <a:p>
@@ -5654,7 +5659,7 @@
             </a:pPr>
             <a:r>
               <a:rPr lang="en-US" dirty="0"/>
-              <a:t>Technologies used:</a:t>
+              <a:t>Technologies used: Angular, C#, JavaScript, TypeScript, HTML, CSS, SQL Server, and  Azure.</a:t>
             </a:r>
           </a:p>
           <a:p>
@@ -5669,7 +5674,15 @@
             </a:pPr>
             <a:r>
               <a:rPr lang="en-US" dirty="0"/>
-              <a:t>Challenges:</a:t>
+              <a:t>Challenges: The challenges we faced were deploying to Azure, getting the 3</a:t>
+            </a:r>
+            <a:r>
+              <a:rPr lang="en-US" baseline="30000" dirty="0"/>
+              <a:t>rd</a:t>
+            </a:r>
+            <a:r>
+              <a:rPr lang="en-US" dirty="0"/>
+              <a:t> party API to display on the html page, but we powered through them all.</a:t>
             </a:r>
           </a:p>
           <a:p>
@@ -5684,7 +5697,7 @@
             </a:pPr>
             <a:r>
               <a:rPr lang="en-US" dirty="0"/>
-              <a:t>Successes: </a:t>
+              <a:t>Successes: We focused on team programming which helped us get through all the hurdles together. We were able to figure out a SQL View, and we were able to get our login pages to work (cookies).</a:t>
             </a:r>
           </a:p>
           <a:p>
@@ -5699,7 +5712,7 @@
             </a:pPr>
             <a:r>
               <a:rPr lang="en-US" dirty="0"/>
-              <a:t>Future developments:</a:t>
+              <a:t>Future developments: In the future we want to be able to allow the user to create or add a recipe and store it in the database too.</a:t>
             </a:r>
           </a:p>
         </p:txBody>
